--- a/AngularJS/lesson_13/Presentation/Filters_DOM.pptx
+++ b/AngularJS/lesson_13/Presentation/Filters_DOM.pptx
@@ -213,7 +213,7 @@
           <a:p>
             <a:fld id="{128D623C-FE5B-4445-9EC9-DBBBF803B4B6}" type="datetimeFigureOut">
               <a:rPr lang="uk-UA" smtClean="0"/>
-              <a:t>17.08.2016</a:t>
+              <a:t>12.04.2017</a:t>
             </a:fld>
             <a:endParaRPr lang="uk-UA"/>
           </a:p>
@@ -2812,6 +2812,9 @@
           <a:p>
             <a:r>
               <a:rPr lang="ru-RU" sz="2000" b="1" dirty="0" err="1">
+                <a:solidFill>
+                  <a:srgbClr val="FF0000"/>
+                </a:solidFill>
                 <a:latin typeface="Calibri" pitchFamily="34" charset="0"/>
               </a:rPr>
               <a:t>ng-show</a:t>
@@ -2830,6 +2833,9 @@
             </a:r>
             <a:r>
               <a:rPr lang="ru-RU" sz="2000" b="1" dirty="0" err="1">
+                <a:solidFill>
+                  <a:srgbClr val="FF0000"/>
+                </a:solidFill>
                 <a:latin typeface="Calibri" pitchFamily="34" charset="0"/>
               </a:rPr>
               <a:t>ng-hide</a:t>
@@ -2856,7 +2862,7 @@
               <a:rPr lang="ru-RU" sz="2000" dirty="0">
                 <a:latin typeface="Calibri" pitchFamily="34" charset="0"/>
               </a:rPr>
-              <a:t>директивы отображают или прячут элемент в соответствии с выражением с помощью </a:t>
+              <a:t>директивы отображают или скрывают элемент в соответствии с выражением с помощью </a:t>
             </a:r>
             <a:r>
               <a:rPr lang="ru-RU" sz="2000" dirty="0" err="1">
@@ -2885,6 +2891,9 @@
           <a:p>
             <a:r>
               <a:rPr lang="ru-RU" sz="2000" b="1" dirty="0" err="1">
+                <a:solidFill>
+                  <a:srgbClr val="FF0000"/>
+                </a:solidFill>
                 <a:latin typeface="Calibri" pitchFamily="34" charset="0"/>
               </a:rPr>
               <a:t>ng-if</a:t>
@@ -2938,7 +2947,19 @@
               <a:rPr lang="ru-RU" sz="2000" dirty="0">
                 <a:latin typeface="Calibri" pitchFamily="34" charset="0"/>
               </a:rPr>
-              <a:t> полностью удаляет элемент из дерева, а не прячет его.</a:t>
+              <a:t> полностью удаляет элемент из </a:t>
+            </a:r>
+            <a:r>
+              <a:rPr lang="en-US" sz="2000" dirty="0">
+                <a:latin typeface="Calibri" pitchFamily="34" charset="0"/>
+              </a:rPr>
+              <a:t>DOM </a:t>
+            </a:r>
+            <a:r>
+              <a:rPr lang="ru-RU" sz="2000" dirty="0">
+                <a:latin typeface="Calibri" pitchFamily="34" charset="0"/>
+              </a:rPr>
+              <a:t>дерева, а не прячет его.</a:t>
             </a:r>
           </a:p>
         </p:txBody>
@@ -3058,7 +3079,7 @@
         <p:spPr>
           <a:xfrm>
             <a:off x="251520" y="2006600"/>
-            <a:ext cx="8892480" cy="2946400"/>
+            <a:ext cx="8435280" cy="1422400"/>
           </a:xfrm>
         </p:spPr>
         <p:txBody>
@@ -3066,27 +3087,57 @@
           <a:lstStyle/>
           <a:p>
             <a:r>
+              <a:rPr lang="en-US" sz="1800" b="1" dirty="0">
+                <a:latin typeface="Calibri" pitchFamily="34" charset="0"/>
+              </a:rPr>
+              <a:t> </a:t>
+            </a:r>
+            <a:r>
+              <a:rPr lang="ru-RU" sz="1800" b="1" dirty="0">
+                <a:solidFill>
+                  <a:srgbClr val="FF0000"/>
+                </a:solidFill>
+                <a:latin typeface="Calibri" pitchFamily="34" charset="0"/>
+              </a:rPr>
+              <a:t>ng-class</a:t>
+            </a:r>
+            <a:r>
+              <a:rPr lang="ru-RU" sz="1800" b="1" dirty="0">
+                <a:latin typeface="Calibri" pitchFamily="34" charset="0"/>
+              </a:rPr>
+              <a:t> </a:t>
+            </a:r>
+            <a:r>
+              <a:rPr lang="ru-RU" sz="1800" dirty="0">
+                <a:latin typeface="Calibri" pitchFamily="34" charset="0"/>
+              </a:rPr>
+              <a:t>- директива позволяет динамически устанавливать классы для HTML </a:t>
+            </a:r>
+            <a:r>
+              <a:rPr lang="en-US" sz="1800" dirty="0">
+                <a:latin typeface="Calibri" pitchFamily="34" charset="0"/>
+              </a:rPr>
+              <a:t> </a:t>
+            </a:r>
+            <a:r>
+              <a:rPr lang="ru-RU" sz="1800" dirty="0">
+                <a:latin typeface="Calibri" pitchFamily="34" charset="0"/>
+              </a:rPr>
+              <a:t>элементов через привязку данных и выражения;</a:t>
+            </a:r>
+          </a:p>
+          <a:p>
+            <a:r>
+              <a:rPr lang="en-US" sz="1800" b="1" dirty="0">
+                <a:latin typeface="Calibri" pitchFamily="34" charset="0"/>
+              </a:rPr>
+              <a:t> </a:t>
+            </a:r>
+            <a:r>
               <a:rPr lang="ru-RU" sz="1800" b="1" dirty="0" err="1">
-                <a:latin typeface="Calibri" pitchFamily="34" charset="0"/>
-              </a:rPr>
-              <a:t>ng-class</a:t>
-            </a:r>
-            <a:r>
-              <a:rPr lang="ru-RU" sz="1800" b="1" dirty="0">
-                <a:latin typeface="Calibri" pitchFamily="34" charset="0"/>
-              </a:rPr>
-              <a:t> </a:t>
-            </a:r>
-            <a:r>
-              <a:rPr lang="ru-RU" sz="1800" dirty="0">
-                <a:latin typeface="Calibri" pitchFamily="34" charset="0"/>
-              </a:rPr>
-              <a:t>- директива позволяет динамически устанавливать классы для HTML элементов через привязку данных и выражения;</a:t>
-            </a:r>
-          </a:p>
-          <a:p>
-            <a:r>
-              <a:rPr lang="ru-RU" sz="1800" b="1" dirty="0" err="1">
+                <a:solidFill>
+                  <a:srgbClr val="FF0000"/>
+                </a:solidFill>
                 <a:latin typeface="Calibri" pitchFamily="34" charset="0"/>
               </a:rPr>
               <a:t>ng-style</a:t>
@@ -3197,7 +3248,7 @@
         <p:spPr>
           <a:xfrm>
             <a:off x="1043608" y="1628800"/>
-            <a:ext cx="7109792" cy="4320480"/>
+            <a:ext cx="6984776" cy="4320480"/>
           </a:xfrm>
         </p:spPr>
         <p:txBody>
@@ -3226,19 +3277,19 @@
               <a:rPr lang="ru-RU" sz="1800" dirty="0">
                 <a:latin typeface="Calibri" pitchFamily="34" charset="0"/>
               </a:rPr>
-              <a:t>– свойство показывает</a:t>
+              <a:t>–</a:t>
             </a:r>
             <a:r>
               <a:rPr lang="en-US" sz="1800" dirty="0">
                 <a:latin typeface="Calibri" pitchFamily="34" charset="0"/>
               </a:rPr>
-              <a:t>, </a:t>
+              <a:t> </a:t>
             </a:r>
             <a:r>
               <a:rPr lang="ru-RU" sz="1800" dirty="0">
                 <a:latin typeface="Calibri" pitchFamily="34" charset="0"/>
               </a:rPr>
-              <a:t>что пользователь еще ничего не вводил</a:t>
+              <a:t>пользователь еще ничего не вводил</a:t>
             </a:r>
             <a:r>
               <a:rPr lang="en-US" sz="1800" dirty="0">
@@ -3300,7 +3351,19 @@
               <a:rPr lang="ru-RU" sz="1800" dirty="0">
                 <a:latin typeface="Calibri" pitchFamily="34" charset="0"/>
               </a:rPr>
-              <a:t>– свойство показывает, что  пользователь уже взаимодействовал с элементами формы (</a:t>
+              <a:t>–</a:t>
+            </a:r>
+            <a:r>
+              <a:rPr lang="en-US" sz="1800" dirty="0">
+                <a:latin typeface="Calibri" pitchFamily="34" charset="0"/>
+              </a:rPr>
+              <a:t> </a:t>
+            </a:r>
+            <a:r>
+              <a:rPr lang="ru-RU" sz="1800" dirty="0">
+                <a:latin typeface="Calibri" pitchFamily="34" charset="0"/>
+              </a:rPr>
+              <a:t>пользователь уже взаимодействовал с элементами формы (</a:t>
             </a:r>
             <a:r>
               <a:rPr lang="en-US" sz="1800" dirty="0">
@@ -3362,7 +3425,7 @@
               <a:rPr lang="ru-RU" sz="1800" dirty="0">
                 <a:latin typeface="Calibri" pitchFamily="34" charset="0"/>
               </a:rPr>
-              <a:t>свойство показывает, что форма валидна (</a:t>
+              <a:t>что форма валидна (</a:t>
             </a:r>
             <a:r>
               <a:rPr lang="en-US" sz="1800" dirty="0">
@@ -3688,25 +3751,25 @@
               <a:buNone/>
             </a:pPr>
             <a:r>
-              <a:rPr lang="ru-RU" sz="2000" b="1" dirty="0">
+              <a:rPr lang="ru-RU" sz="1800" b="1" dirty="0">
                 <a:latin typeface="Calibri" pitchFamily="34" charset="0"/>
               </a:rPr>
               <a:t>Фильтры </a:t>
             </a:r>
             <a:r>
-              <a:rPr lang="ru-RU" sz="2000" dirty="0">
+              <a:rPr lang="ru-RU" sz="1800" dirty="0">
                 <a:latin typeface="Calibri" pitchFamily="34" charset="0"/>
               </a:rPr>
               <a:t>предназначены для преобразования данных перед тем как их обработает директива и перед их отображением во </a:t>
             </a:r>
             <a:r>
-              <a:rPr lang="ru-RU" sz="2000" dirty="0" err="1">
+              <a:rPr lang="ru-RU" sz="1800" dirty="0" err="1">
                 <a:latin typeface="Calibri" pitchFamily="34" charset="0"/>
               </a:rPr>
               <a:t>View</a:t>
             </a:r>
             <a:r>
-              <a:rPr lang="ru-RU" sz="2000" dirty="0">
+              <a:rPr lang="ru-RU" sz="1800" dirty="0">
                 <a:latin typeface="Calibri" pitchFamily="34" charset="0"/>
               </a:rPr>
               <a:t>.</a:t>
@@ -3716,25 +3779,25 @@
             <a:pPr marL="0" indent="0">
               <a:buNone/>
             </a:pPr>
-            <a:endParaRPr lang="ru-RU" sz="2000" dirty="0">
+            <a:endParaRPr lang="ru-RU" sz="1800" dirty="0">
               <a:latin typeface="Calibri" pitchFamily="34" charset="0"/>
             </a:endParaRPr>
           </a:p>
           <a:p>
             <a:r>
-              <a:rPr lang="ru-RU" sz="2000" dirty="0">
+              <a:rPr lang="ru-RU" sz="1800" dirty="0">
                 <a:latin typeface="Calibri" pitchFamily="34" charset="0"/>
               </a:rPr>
               <a:t>Фильтры не меняют исходные данные в </a:t>
             </a:r>
             <a:r>
-              <a:rPr lang="ru-RU" sz="2000" dirty="0" err="1">
+              <a:rPr lang="ru-RU" sz="1800" dirty="0" err="1">
                 <a:latin typeface="Calibri" pitchFamily="34" charset="0"/>
               </a:rPr>
               <a:t>scope</a:t>
             </a:r>
             <a:r>
-              <a:rPr lang="ru-RU" sz="2000" dirty="0">
+              <a:rPr lang="ru-RU" sz="1800" dirty="0">
                 <a:latin typeface="Calibri" pitchFamily="34" charset="0"/>
               </a:rPr>
               <a:t>.</a:t>
@@ -3742,7 +3805,7 @@
           </a:p>
           <a:p>
             <a:r>
-              <a:rPr lang="ru-RU" sz="2000" dirty="0">
+              <a:rPr lang="ru-RU" sz="1800" dirty="0">
                 <a:latin typeface="Calibri" pitchFamily="34" charset="0"/>
               </a:rPr>
               <a:t>Фильтры применяются для форматирования, сортировки и </a:t>
@@ -3753,26 +3816,26 @@
               <a:buNone/>
             </a:pPr>
             <a:r>
-              <a:rPr lang="ru-RU" sz="2000" dirty="0">
+              <a:rPr lang="ru-RU" sz="1800" dirty="0">
                 <a:latin typeface="Calibri" pitchFamily="34" charset="0"/>
               </a:rPr>
               <a:t>выборки данных из </a:t>
             </a:r>
             <a:r>
-              <a:rPr lang="ru-RU" sz="2000" dirty="0" err="1">
+              <a:rPr lang="ru-RU" sz="1800" dirty="0" err="1">
                 <a:latin typeface="Calibri" pitchFamily="34" charset="0"/>
               </a:rPr>
               <a:t>scope</a:t>
             </a:r>
             <a:r>
-              <a:rPr lang="ru-RU" sz="2000" dirty="0">
+              <a:rPr lang="ru-RU" sz="1800" dirty="0">
                 <a:latin typeface="Calibri" pitchFamily="34" charset="0"/>
               </a:rPr>
               <a:t>.</a:t>
             </a:r>
           </a:p>
           <a:p>
-            <a:endParaRPr lang="uk-UA" sz="2000" dirty="0">
+            <a:endParaRPr lang="uk-UA" sz="1800" dirty="0">
               <a:latin typeface="Calibri" pitchFamily="34" charset="0"/>
             </a:endParaRPr>
           </a:p>
